--- a/1주차 OT/1주차 OT.pptx
+++ b/1주차 OT/1주차 OT.pptx
@@ -17,8 +17,9 @@
     <p:sldId id="265" r:id="rId11"/>
     <p:sldId id="266" r:id="rId12"/>
     <p:sldId id="267" r:id="rId13"/>
-    <p:sldId id="268" r:id="rId14"/>
-    <p:sldId id="270" r:id="rId15"/>
+    <p:sldId id="270" r:id="rId14"/>
+    <p:sldId id="268" r:id="rId15"/>
+    <p:sldId id="271" r:id="rId16"/>
   </p:sldIdLst>
   <p:sldSz cx="12192000" cy="6858000"/>
   <p:notesSz cx="6858000" cy="9144000"/>
@@ -272,7 +273,7 @@
           <a:p>
             <a:fld id="{2DE438A0-27B0-4A01-AA7E-A0C6CC1BEE86}" type="datetimeFigureOut">
               <a:rPr lang="ko-KR" altLang="en-US" smtClean="0"/>
-              <a:t>2023-10-24</a:t>
+              <a:t>2023-11-02</a:t>
             </a:fld>
             <a:endParaRPr lang="ko-KR" altLang="en-US"/>
           </a:p>
@@ -470,7 +471,7 @@
           <a:p>
             <a:fld id="{2DE438A0-27B0-4A01-AA7E-A0C6CC1BEE86}" type="datetimeFigureOut">
               <a:rPr lang="ko-KR" altLang="en-US" smtClean="0"/>
-              <a:t>2023-10-24</a:t>
+              <a:t>2023-11-02</a:t>
             </a:fld>
             <a:endParaRPr lang="ko-KR" altLang="en-US"/>
           </a:p>
@@ -678,7 +679,7 @@
           <a:p>
             <a:fld id="{2DE438A0-27B0-4A01-AA7E-A0C6CC1BEE86}" type="datetimeFigureOut">
               <a:rPr lang="ko-KR" altLang="en-US" smtClean="0"/>
-              <a:t>2023-10-24</a:t>
+              <a:t>2023-11-02</a:t>
             </a:fld>
             <a:endParaRPr lang="ko-KR" altLang="en-US"/>
           </a:p>
@@ -876,7 +877,7 @@
           <a:p>
             <a:fld id="{2DE438A0-27B0-4A01-AA7E-A0C6CC1BEE86}" type="datetimeFigureOut">
               <a:rPr lang="ko-KR" altLang="en-US" smtClean="0"/>
-              <a:t>2023-10-24</a:t>
+              <a:t>2023-11-02</a:t>
             </a:fld>
             <a:endParaRPr lang="ko-KR" altLang="en-US"/>
           </a:p>
@@ -1151,7 +1152,7 @@
           <a:p>
             <a:fld id="{2DE438A0-27B0-4A01-AA7E-A0C6CC1BEE86}" type="datetimeFigureOut">
               <a:rPr lang="ko-KR" altLang="en-US" smtClean="0"/>
-              <a:t>2023-10-24</a:t>
+              <a:t>2023-11-02</a:t>
             </a:fld>
             <a:endParaRPr lang="ko-KR" altLang="en-US"/>
           </a:p>
@@ -1416,7 +1417,7 @@
           <a:p>
             <a:fld id="{2DE438A0-27B0-4A01-AA7E-A0C6CC1BEE86}" type="datetimeFigureOut">
               <a:rPr lang="ko-KR" altLang="en-US" smtClean="0"/>
-              <a:t>2023-10-24</a:t>
+              <a:t>2023-11-02</a:t>
             </a:fld>
             <a:endParaRPr lang="ko-KR" altLang="en-US"/>
           </a:p>
@@ -1828,7 +1829,7 @@
           <a:p>
             <a:fld id="{2DE438A0-27B0-4A01-AA7E-A0C6CC1BEE86}" type="datetimeFigureOut">
               <a:rPr lang="ko-KR" altLang="en-US" smtClean="0"/>
-              <a:t>2023-10-24</a:t>
+              <a:t>2023-11-02</a:t>
             </a:fld>
             <a:endParaRPr lang="ko-KR" altLang="en-US"/>
           </a:p>
@@ -1969,7 +1970,7 @@
           <a:p>
             <a:fld id="{2DE438A0-27B0-4A01-AA7E-A0C6CC1BEE86}" type="datetimeFigureOut">
               <a:rPr lang="ko-KR" altLang="en-US" smtClean="0"/>
-              <a:t>2023-10-24</a:t>
+              <a:t>2023-11-02</a:t>
             </a:fld>
             <a:endParaRPr lang="ko-KR" altLang="en-US"/>
           </a:p>
@@ -2082,7 +2083,7 @@
           <a:p>
             <a:fld id="{2DE438A0-27B0-4A01-AA7E-A0C6CC1BEE86}" type="datetimeFigureOut">
               <a:rPr lang="ko-KR" altLang="en-US" smtClean="0"/>
-              <a:t>2023-10-24</a:t>
+              <a:t>2023-11-02</a:t>
             </a:fld>
             <a:endParaRPr lang="ko-KR" altLang="en-US"/>
           </a:p>
@@ -2393,7 +2394,7 @@
           <a:p>
             <a:fld id="{2DE438A0-27B0-4A01-AA7E-A0C6CC1BEE86}" type="datetimeFigureOut">
               <a:rPr lang="ko-KR" altLang="en-US" smtClean="0"/>
-              <a:t>2023-10-24</a:t>
+              <a:t>2023-11-02</a:t>
             </a:fld>
             <a:endParaRPr lang="ko-KR" altLang="en-US"/>
           </a:p>
@@ -2681,7 +2682,7 @@
           <a:p>
             <a:fld id="{2DE438A0-27B0-4A01-AA7E-A0C6CC1BEE86}" type="datetimeFigureOut">
               <a:rPr lang="ko-KR" altLang="en-US" smtClean="0"/>
-              <a:t>2023-10-24</a:t>
+              <a:t>2023-11-02</a:t>
             </a:fld>
             <a:endParaRPr lang="ko-KR" altLang="en-US"/>
           </a:p>
@@ -2922,7 +2923,7 @@
           <a:p>
             <a:fld id="{2DE438A0-27B0-4A01-AA7E-A0C6CC1BEE86}" type="datetimeFigureOut">
               <a:rPr lang="ko-KR" altLang="en-US" smtClean="0"/>
-              <a:t>2023-10-24</a:t>
+              <a:t>2023-11-02</a:t>
             </a:fld>
             <a:endParaRPr lang="ko-KR" altLang="en-US"/>
           </a:p>
@@ -3933,7 +3934,7 @@
             </a:r>
             <a:r>
               <a:rPr lang="ko-KR" altLang="en-US" dirty="0" err="1"/>
-              <a:t>안풀려요</a:t>
+              <a:t>안풀린다면</a:t>
             </a:r>
             <a:r>
               <a:rPr lang="en-US" altLang="ko-KR" dirty="0"/>
@@ -3982,32 +3983,84 @@
           <a:p>
             <a:r>
               <a:rPr lang="ko-KR" altLang="en-US" dirty="0"/>
-              <a:t>처음에는 알고리즘 분류를 보기</a:t>
-            </a:r>
-            <a:r>
-              <a:rPr lang="en-US" altLang="ko-KR" dirty="0"/>
-              <a:t>! (</a:t>
-            </a:r>
-            <a:r>
-              <a:rPr lang="ko-KR" altLang="en-US" dirty="0"/>
-              <a:t>시간 낭비 방지를 위함</a:t>
-            </a:r>
-            <a:r>
-              <a:rPr lang="en-US" altLang="ko-KR" dirty="0"/>
-              <a:t>)</a:t>
-            </a:r>
-          </a:p>
-          <a:p>
-            <a:endParaRPr lang="en-US" altLang="ko-KR" dirty="0"/>
-          </a:p>
-          <a:p>
-            <a:r>
-              <a:rPr lang="ko-KR" altLang="en-US" dirty="0"/>
-              <a:t>알고리즘을 아는데도 못 푼다는 것은 응용력의 부족과 동치</a:t>
-            </a:r>
-            <a:endParaRPr lang="en-US" altLang="ko-KR" dirty="0"/>
-          </a:p>
-          <a:p>
+              <a:t>알고리즘을 아는데도 못 푼다면 </a:t>
+            </a:r>
+            <a:r>
+              <a:rPr lang="ko-KR" altLang="en-US" dirty="0" err="1"/>
+              <a:t>구현력</a:t>
+            </a:r>
+            <a:r>
+              <a:rPr lang="en-US" altLang="ko-KR" dirty="0"/>
+              <a:t>/</a:t>
+            </a:r>
+            <a:r>
+              <a:rPr lang="ko-KR" altLang="en-US" dirty="0"/>
+              <a:t>응용력 부족</a:t>
+            </a:r>
+            <a:br>
+              <a:rPr lang="en-US" altLang="ko-KR" dirty="0"/>
+            </a:br>
+            <a:r>
+              <a:rPr lang="en-US" altLang="ko-KR" sz="2400" dirty="0"/>
+              <a:t>1)</a:t>
+            </a:r>
+            <a:r>
+              <a:rPr lang="ko-KR" altLang="en-US" sz="2400" dirty="0"/>
+              <a:t> 알고리즘 분류 확인</a:t>
+            </a:r>
+            <a:br>
+              <a:rPr lang="en-US" altLang="ko-KR" sz="2400" dirty="0"/>
+            </a:br>
+            <a:r>
+              <a:rPr lang="en-US" altLang="ko-KR" sz="2400" dirty="0"/>
+              <a:t>2) </a:t>
+            </a:r>
+            <a:r>
+              <a:rPr lang="ko-KR" altLang="en-US" sz="2400" dirty="0"/>
+              <a:t>질문게시판의 반례 </a:t>
+            </a:r>
+            <a:r>
+              <a:rPr lang="en-US" altLang="ko-KR" sz="2400" dirty="0"/>
+              <a:t>test case </a:t>
+            </a:r>
+            <a:r>
+              <a:rPr lang="ko-KR" altLang="en-US" sz="2400" dirty="0"/>
+              <a:t>확인</a:t>
+            </a:r>
+            <a:br>
+              <a:rPr lang="en-US" altLang="ko-KR" sz="2400" dirty="0"/>
+            </a:br>
+            <a:r>
+              <a:rPr lang="en-US" altLang="ko-KR" sz="2400" dirty="0"/>
+              <a:t>3) </a:t>
+            </a:r>
+            <a:r>
+              <a:rPr lang="ko-KR" altLang="en-US" sz="2400" dirty="0" err="1"/>
+              <a:t>구글링</a:t>
+            </a:r>
+            <a:br>
+              <a:rPr lang="en-US" altLang="ko-KR" sz="2400" dirty="0"/>
+            </a:br>
+            <a:r>
+              <a:rPr lang="en-US" altLang="ko-KR" sz="2400" dirty="0"/>
+              <a:t>4) </a:t>
+            </a:r>
+            <a:r>
+              <a:rPr lang="ko-KR" altLang="en-US" sz="2400" dirty="0" err="1"/>
+              <a:t>풀고나면</a:t>
+            </a:r>
+            <a:r>
+              <a:rPr lang="ko-KR" altLang="en-US" sz="2400" dirty="0"/>
+              <a:t> 솔루션을 참고여부 상관없이</a:t>
+            </a:r>
+            <a:r>
+              <a:rPr lang="en-US" altLang="ko-KR" sz="2400" dirty="0"/>
+              <a:t>, </a:t>
+            </a:r>
+            <a:r>
+              <a:rPr lang="ko-KR" altLang="en-US" sz="2400" dirty="0"/>
+              <a:t>풀이 현황의 다른 풀이 참고</a:t>
+            </a:r>
             <a:endParaRPr lang="en-US" altLang="ko-KR" dirty="0"/>
           </a:p>
           <a:p>
@@ -4036,275 +4089,6 @@
 </file>
 
 <file path=ppt/slides/slide13.xml><?xml version="1.0" encoding="utf-8"?>
-<p:sld xmlns:a="http://schemas.openxmlformats.org/drawingml/2006/main" xmlns:r="http://schemas.openxmlformats.org/officeDocument/2006/relationships" xmlns:p="http://schemas.openxmlformats.org/presentationml/2006/main">
-  <p:cSld>
-    <p:spTree>
-      <p:nvGrpSpPr>
-        <p:cNvPr id="1" name=""/>
-        <p:cNvGrpSpPr/>
-        <p:nvPr/>
-      </p:nvGrpSpPr>
-      <p:grpSpPr>
-        <a:xfrm>
-          <a:off x="0" y="0"/>
-          <a:ext cx="0" cy="0"/>
-          <a:chOff x="0" y="0"/>
-          <a:chExt cx="0" cy="0"/>
-        </a:xfrm>
-      </p:grpSpPr>
-      <p:sp>
-        <p:nvSpPr>
-          <p:cNvPr id="2" name="제목 1">
-            <a:extLst>
-              <a:ext uri="{FF2B5EF4-FFF2-40B4-BE49-F238E27FC236}">
-                <a16:creationId xmlns:a16="http://schemas.microsoft.com/office/drawing/2014/main" id="{03367AE8-E5B0-94DE-485A-53E4F18A02E8}"/>
-              </a:ext>
-            </a:extLst>
-          </p:cNvPr>
-          <p:cNvSpPr>
-            <a:spLocks noGrp="1"/>
-          </p:cNvSpPr>
-          <p:nvPr>
-            <p:ph type="title"/>
-          </p:nvPr>
-        </p:nvSpPr>
-        <p:spPr/>
-        <p:txBody>
-          <a:bodyPr/>
-          <a:lstStyle/>
-          <a:p>
-            <a:r>
-              <a:rPr lang="en-US" altLang="ko-KR" dirty="0"/>
-              <a:t>1</a:t>
-            </a:r>
-            <a:r>
-              <a:rPr lang="ko-KR" altLang="en-US" dirty="0"/>
-              <a:t>주차 과제</a:t>
-            </a:r>
-          </a:p>
-        </p:txBody>
-      </p:sp>
-      <p:sp>
-        <p:nvSpPr>
-          <p:cNvPr id="3" name="내용 개체 틀 2">
-            <a:extLst>
-              <a:ext uri="{FF2B5EF4-FFF2-40B4-BE49-F238E27FC236}">
-                <a16:creationId xmlns:a16="http://schemas.microsoft.com/office/drawing/2014/main" id="{9A270CEC-8180-826B-2057-51CA12EDF229}"/>
-              </a:ext>
-            </a:extLst>
-          </p:cNvPr>
-          <p:cNvSpPr>
-            <a:spLocks noGrp="1"/>
-          </p:cNvSpPr>
-          <p:nvPr>
-            <p:ph idx="1"/>
-          </p:nvPr>
-        </p:nvSpPr>
-        <p:spPr/>
-        <p:txBody>
-          <a:bodyPr>
-            <a:normAutofit fontScale="92500" lnSpcReduction="10000"/>
-          </a:bodyPr>
-          <a:lstStyle/>
-          <a:p>
-            <a:r>
-              <a:rPr lang="en-US" altLang="ko-KR" dirty="0"/>
-              <a:t>1) C++ PS </a:t>
-            </a:r>
-            <a:r>
-              <a:rPr lang="ko-KR" altLang="en-US" dirty="0"/>
-              <a:t>환경 구축해오기</a:t>
-            </a:r>
-            <a:r>
-              <a:rPr lang="en-US" altLang="ko-KR" dirty="0"/>
-              <a:t>(</a:t>
-            </a:r>
-            <a:r>
-              <a:rPr lang="ko-KR" altLang="en-US" dirty="0"/>
-              <a:t>선택</a:t>
-            </a:r>
-            <a:r>
-              <a:rPr lang="en-US" altLang="ko-KR" dirty="0"/>
-              <a:t>) </a:t>
-            </a:r>
-            <a:r>
-              <a:rPr lang="ko-KR" altLang="en-US" dirty="0"/>
-              <a:t>업로드 자료 참고</a:t>
-            </a:r>
-            <a:endParaRPr lang="en-US" altLang="ko-KR" dirty="0"/>
-          </a:p>
-          <a:p>
-            <a:r>
-              <a:rPr lang="en-US" altLang="ko-KR" dirty="0"/>
-              <a:t>2) </a:t>
-            </a:r>
-            <a:r>
-              <a:rPr lang="ko-KR" altLang="en-US" dirty="0"/>
-              <a:t>백준 회원가입 </a:t>
-            </a:r>
-            <a:r>
-              <a:rPr lang="en-US" altLang="ko-KR" dirty="0"/>
-              <a:t>+ </a:t>
-            </a:r>
-            <a:r>
-              <a:rPr lang="ko-KR" altLang="en-US" dirty="0" err="1"/>
-              <a:t>솔브닥</a:t>
-            </a:r>
-            <a:r>
-              <a:rPr lang="ko-KR" altLang="en-US" dirty="0"/>
-              <a:t> 연동해오기 </a:t>
-            </a:r>
-            <a:r>
-              <a:rPr lang="en-US" altLang="ko-KR" dirty="0"/>
-              <a:t>(</a:t>
-            </a:r>
-            <a:r>
-              <a:rPr lang="ko-KR" altLang="en-US" dirty="0"/>
-              <a:t>선택</a:t>
-            </a:r>
-            <a:r>
-              <a:rPr lang="en-US" altLang="ko-KR" dirty="0"/>
-              <a:t>)</a:t>
-            </a:r>
-          </a:p>
-          <a:p>
-            <a:endParaRPr lang="en-US" altLang="ko-KR" dirty="0"/>
-          </a:p>
-          <a:p>
-            <a:r>
-              <a:rPr lang="ko-KR" altLang="en-US" dirty="0"/>
-              <a:t>과제의 방향성</a:t>
-            </a:r>
-            <a:endParaRPr lang="en-US" altLang="ko-KR" dirty="0"/>
-          </a:p>
-          <a:p>
-            <a:pPr marL="0" indent="0">
-              <a:buNone/>
-            </a:pPr>
-            <a:r>
-              <a:rPr lang="en-US" altLang="ko-KR" dirty="0"/>
-              <a:t>-</a:t>
-            </a:r>
-            <a:r>
-              <a:rPr lang="ko-KR" altLang="en-US" dirty="0"/>
-              <a:t>스터디에서 알려주는 알고리즘 숙지</a:t>
-            </a:r>
-            <a:r>
-              <a:rPr lang="en-US" altLang="ko-KR" dirty="0"/>
-              <a:t>, </a:t>
-            </a:r>
-            <a:r>
-              <a:rPr lang="ko-KR" altLang="en-US" dirty="0"/>
-              <a:t>관련 지정 문제 시간 나면 풀어오기 </a:t>
-            </a:r>
-            <a:r>
-              <a:rPr lang="en-US" altLang="ko-KR" dirty="0"/>
-              <a:t>(</a:t>
-            </a:r>
-            <a:r>
-              <a:rPr lang="ko-KR" altLang="en-US" dirty="0"/>
-              <a:t>알고리즘을 외우는 정도로 풀이 권장</a:t>
-            </a:r>
-            <a:r>
-              <a:rPr lang="en-US" altLang="ko-KR" dirty="0"/>
-              <a:t>)</a:t>
-            </a:r>
-          </a:p>
-          <a:p>
-            <a:pPr marL="0" indent="0">
-              <a:buNone/>
-            </a:pPr>
-            <a:endParaRPr lang="en-US" altLang="ko-KR" dirty="0"/>
-          </a:p>
-          <a:p>
-            <a:pPr marL="0" indent="0">
-              <a:buNone/>
-            </a:pPr>
-            <a:r>
-              <a:rPr lang="en-US" altLang="ko-KR" dirty="0"/>
-              <a:t>- </a:t>
-            </a:r>
-            <a:r>
-              <a:rPr lang="ko-KR" altLang="en-US" dirty="0"/>
-              <a:t>틀렸습니다 </a:t>
-            </a:r>
-            <a:r>
-              <a:rPr lang="en-US" altLang="ko-KR" dirty="0"/>
-              <a:t>/ </a:t>
-            </a:r>
-            <a:r>
-              <a:rPr lang="ko-KR" altLang="en-US" dirty="0"/>
-              <a:t>시간 초과</a:t>
-            </a:r>
-            <a:r>
-              <a:rPr lang="en-US" altLang="ko-KR" dirty="0"/>
-              <a:t>/ </a:t>
-            </a:r>
-            <a:r>
-              <a:rPr lang="ko-KR" altLang="en-US" dirty="0"/>
-              <a:t>메모리 초과 </a:t>
-            </a:r>
-            <a:r>
-              <a:rPr lang="en-US" altLang="ko-KR" dirty="0"/>
-              <a:t>/ </a:t>
-            </a:r>
-            <a:r>
-              <a:rPr lang="ko-KR" altLang="en-US" dirty="0"/>
-              <a:t>출력 초과 </a:t>
-            </a:r>
-            <a:r>
-              <a:rPr lang="en-US" altLang="ko-KR" dirty="0"/>
-              <a:t>/ </a:t>
-            </a:r>
-            <a:r>
-              <a:rPr lang="ko-KR" altLang="en-US" dirty="0"/>
-              <a:t>컴파일 에러 </a:t>
-            </a:r>
-            <a:r>
-              <a:rPr lang="en-US" altLang="ko-KR" dirty="0"/>
-              <a:t>/ </a:t>
-            </a:r>
-            <a:r>
-              <a:rPr lang="ko-KR" altLang="en-US" dirty="0"/>
-              <a:t>런타임 에러 </a:t>
-            </a:r>
-            <a:r>
-              <a:rPr lang="en-US" altLang="ko-KR" dirty="0"/>
-              <a:t>: </a:t>
-            </a:r>
-            <a:r>
-              <a:rPr lang="ko-KR" altLang="en-US" dirty="0"/>
-              <a:t>각기 해당하는 이유를 모를 때 </a:t>
-            </a:r>
-            <a:r>
-              <a:rPr lang="ko-KR" altLang="en-US" dirty="0" err="1"/>
-              <a:t>스터디장이</a:t>
-            </a:r>
-            <a:r>
-              <a:rPr lang="ko-KR" altLang="en-US" dirty="0"/>
-              <a:t> 함께 고민해드리겠습니다</a:t>
-            </a:r>
-            <a:r>
-              <a:rPr lang="en-US" altLang="ko-KR" dirty="0"/>
-              <a:t>. </a:t>
-            </a:r>
-          </a:p>
-        </p:txBody>
-      </p:sp>
-    </p:spTree>
-    <p:extLst>
-      <p:ext uri="{BB962C8B-B14F-4D97-AF65-F5344CB8AC3E}">
-        <p14:creationId xmlns:p14="http://schemas.microsoft.com/office/powerpoint/2010/main" val="3536484514"/>
-      </p:ext>
-    </p:extLst>
-  </p:cSld>
-  <p:clrMapOvr>
-    <a:masterClrMapping/>
-  </p:clrMapOvr>
-</p:sld>
-</file>
-
-<file path=ppt/slides/slide14.xml><?xml version="1.0" encoding="utf-8"?>
 <p:sld xmlns:a="http://schemas.openxmlformats.org/drawingml/2006/main" xmlns:r="http://schemas.openxmlformats.org/officeDocument/2006/relationships" xmlns:p="http://schemas.openxmlformats.org/presentationml/2006/main">
   <p:cSld>
     <p:bg>
@@ -4374,6 +4158,494 @@
 </p:sld>
 </file>
 
+<file path=ppt/slides/slide14.xml><?xml version="1.0" encoding="utf-8"?>
+<p:sld xmlns:a="http://schemas.openxmlformats.org/drawingml/2006/main" xmlns:r="http://schemas.openxmlformats.org/officeDocument/2006/relationships" xmlns:p="http://schemas.openxmlformats.org/presentationml/2006/main">
+  <p:cSld>
+    <p:spTree>
+      <p:nvGrpSpPr>
+        <p:cNvPr id="1" name=""/>
+        <p:cNvGrpSpPr/>
+        <p:nvPr/>
+      </p:nvGrpSpPr>
+      <p:grpSpPr>
+        <a:xfrm>
+          <a:off x="0" y="0"/>
+          <a:ext cx="0" cy="0"/>
+          <a:chOff x="0" y="0"/>
+          <a:chExt cx="0" cy="0"/>
+        </a:xfrm>
+      </p:grpSpPr>
+      <p:sp>
+        <p:nvSpPr>
+          <p:cNvPr id="2" name="제목 1">
+            <a:extLst>
+              <a:ext uri="{FF2B5EF4-FFF2-40B4-BE49-F238E27FC236}">
+                <a16:creationId xmlns:a16="http://schemas.microsoft.com/office/drawing/2014/main" id="{03367AE8-E5B0-94DE-485A-53E4F18A02E8}"/>
+              </a:ext>
+            </a:extLst>
+          </p:cNvPr>
+          <p:cNvSpPr>
+            <a:spLocks noGrp="1"/>
+          </p:cNvSpPr>
+          <p:nvPr>
+            <p:ph type="title"/>
+          </p:nvPr>
+        </p:nvSpPr>
+        <p:spPr/>
+        <p:txBody>
+          <a:bodyPr/>
+          <a:lstStyle/>
+          <a:p>
+            <a:r>
+              <a:rPr lang="en-US" altLang="ko-KR" dirty="0"/>
+              <a:t>1</a:t>
+            </a:r>
+            <a:r>
+              <a:rPr lang="ko-KR" altLang="en-US" dirty="0"/>
+              <a:t>주차 과제</a:t>
+            </a:r>
+          </a:p>
+        </p:txBody>
+      </p:sp>
+      <p:sp>
+        <p:nvSpPr>
+          <p:cNvPr id="3" name="내용 개체 틀 2">
+            <a:extLst>
+              <a:ext uri="{FF2B5EF4-FFF2-40B4-BE49-F238E27FC236}">
+                <a16:creationId xmlns:a16="http://schemas.microsoft.com/office/drawing/2014/main" id="{9A270CEC-8180-826B-2057-51CA12EDF229}"/>
+              </a:ext>
+            </a:extLst>
+          </p:cNvPr>
+          <p:cNvSpPr>
+            <a:spLocks noGrp="1"/>
+          </p:cNvSpPr>
+          <p:nvPr>
+            <p:ph idx="1"/>
+          </p:nvPr>
+        </p:nvSpPr>
+        <p:spPr/>
+        <p:txBody>
+          <a:bodyPr>
+            <a:normAutofit fontScale="92500" lnSpcReduction="10000"/>
+          </a:bodyPr>
+          <a:lstStyle/>
+          <a:p>
+            <a:r>
+              <a:rPr lang="en-US" altLang="ko-KR" dirty="0"/>
+              <a:t>1) C++ PS </a:t>
+            </a:r>
+            <a:r>
+              <a:rPr lang="ko-KR" altLang="en-US" dirty="0"/>
+              <a:t>환경 구축해오기</a:t>
+            </a:r>
+            <a:r>
+              <a:rPr lang="en-US" altLang="ko-KR" dirty="0"/>
+              <a:t>(</a:t>
+            </a:r>
+            <a:r>
+              <a:rPr lang="ko-KR" altLang="en-US" dirty="0"/>
+              <a:t>선택</a:t>
+            </a:r>
+            <a:r>
+              <a:rPr lang="en-US" altLang="ko-KR" dirty="0"/>
+              <a:t>) </a:t>
+            </a:r>
+            <a:r>
+              <a:rPr lang="ko-KR" altLang="en-US" dirty="0"/>
+              <a:t>업로드 자료 참고</a:t>
+            </a:r>
+            <a:endParaRPr lang="en-US" altLang="ko-KR" dirty="0"/>
+          </a:p>
+          <a:p>
+            <a:r>
+              <a:rPr lang="en-US" altLang="ko-KR" dirty="0"/>
+              <a:t>2) </a:t>
+            </a:r>
+            <a:r>
+              <a:rPr lang="ko-KR" altLang="en-US" dirty="0"/>
+              <a:t>백준 회원가입 </a:t>
+            </a:r>
+            <a:r>
+              <a:rPr lang="en-US" altLang="ko-KR" dirty="0"/>
+              <a:t>+ </a:t>
+            </a:r>
+            <a:r>
+              <a:rPr lang="ko-KR" altLang="en-US" dirty="0" err="1"/>
+              <a:t>솔브닥</a:t>
+            </a:r>
+            <a:r>
+              <a:rPr lang="ko-KR" altLang="en-US" dirty="0"/>
+              <a:t> 연동해오기 </a:t>
+            </a:r>
+            <a:r>
+              <a:rPr lang="en-US" altLang="ko-KR" dirty="0"/>
+              <a:t>(</a:t>
+            </a:r>
+            <a:r>
+              <a:rPr lang="ko-KR" altLang="en-US" dirty="0"/>
+              <a:t>선택</a:t>
+            </a:r>
+            <a:r>
+              <a:rPr lang="en-US" altLang="ko-KR" dirty="0"/>
+              <a:t>)</a:t>
+            </a:r>
+          </a:p>
+          <a:p>
+            <a:endParaRPr lang="en-US" altLang="ko-KR" dirty="0"/>
+          </a:p>
+          <a:p>
+            <a:r>
+              <a:rPr lang="ko-KR" altLang="en-US" dirty="0"/>
+              <a:t>과제의 방향성</a:t>
+            </a:r>
+            <a:endParaRPr lang="en-US" altLang="ko-KR" dirty="0"/>
+          </a:p>
+          <a:p>
+            <a:pPr marL="0" indent="0">
+              <a:buNone/>
+            </a:pPr>
+            <a:r>
+              <a:rPr lang="en-US" altLang="ko-KR" dirty="0"/>
+              <a:t>-</a:t>
+            </a:r>
+            <a:r>
+              <a:rPr lang="ko-KR" altLang="en-US" dirty="0"/>
+              <a:t>스터디에서 알려주는 알고리즘 숙지</a:t>
+            </a:r>
+            <a:r>
+              <a:rPr lang="en-US" altLang="ko-KR" dirty="0"/>
+              <a:t>, </a:t>
+            </a:r>
+            <a:r>
+              <a:rPr lang="ko-KR" altLang="en-US" dirty="0"/>
+              <a:t>관련 지정 문제 시간 나면 풀어오기 </a:t>
+            </a:r>
+            <a:r>
+              <a:rPr lang="en-US" altLang="ko-KR" dirty="0"/>
+              <a:t>(</a:t>
+            </a:r>
+            <a:r>
+              <a:rPr lang="ko-KR" altLang="en-US" dirty="0"/>
+              <a:t>알고리즘을 외우는 정도로 풀이 권장</a:t>
+            </a:r>
+            <a:r>
+              <a:rPr lang="en-US" altLang="ko-KR" dirty="0"/>
+              <a:t>)</a:t>
+            </a:r>
+          </a:p>
+          <a:p>
+            <a:pPr marL="0" indent="0">
+              <a:buNone/>
+            </a:pPr>
+            <a:endParaRPr lang="en-US" altLang="ko-KR" dirty="0"/>
+          </a:p>
+          <a:p>
+            <a:pPr marL="0" indent="0">
+              <a:buNone/>
+            </a:pPr>
+            <a:r>
+              <a:rPr lang="en-US" altLang="ko-KR" dirty="0"/>
+              <a:t>- </a:t>
+            </a:r>
+            <a:r>
+              <a:rPr lang="ko-KR" altLang="en-US" dirty="0"/>
+              <a:t>틀렸습니다 </a:t>
+            </a:r>
+            <a:r>
+              <a:rPr lang="en-US" altLang="ko-KR" dirty="0"/>
+              <a:t>/ </a:t>
+            </a:r>
+            <a:r>
+              <a:rPr lang="ko-KR" altLang="en-US" dirty="0"/>
+              <a:t>시간 초과</a:t>
+            </a:r>
+            <a:r>
+              <a:rPr lang="en-US" altLang="ko-KR" dirty="0"/>
+              <a:t>/ </a:t>
+            </a:r>
+            <a:r>
+              <a:rPr lang="ko-KR" altLang="en-US" dirty="0"/>
+              <a:t>메모리 초과 </a:t>
+            </a:r>
+            <a:r>
+              <a:rPr lang="en-US" altLang="ko-KR" dirty="0"/>
+              <a:t>/ </a:t>
+            </a:r>
+            <a:r>
+              <a:rPr lang="ko-KR" altLang="en-US" dirty="0"/>
+              <a:t>출력 초과 </a:t>
+            </a:r>
+            <a:r>
+              <a:rPr lang="en-US" altLang="ko-KR" dirty="0"/>
+              <a:t>/ </a:t>
+            </a:r>
+            <a:r>
+              <a:rPr lang="ko-KR" altLang="en-US" dirty="0"/>
+              <a:t>컴파일 에러 </a:t>
+            </a:r>
+            <a:r>
+              <a:rPr lang="en-US" altLang="ko-KR" dirty="0"/>
+              <a:t>/ </a:t>
+            </a:r>
+            <a:r>
+              <a:rPr lang="ko-KR" altLang="en-US" dirty="0"/>
+              <a:t>런타임 에러 </a:t>
+            </a:r>
+            <a:r>
+              <a:rPr lang="en-US" altLang="ko-KR" dirty="0"/>
+              <a:t>: </a:t>
+            </a:r>
+            <a:r>
+              <a:rPr lang="ko-KR" altLang="en-US" dirty="0"/>
+              <a:t>각기 해당하는 이유를 모를 때 </a:t>
+            </a:r>
+            <a:r>
+              <a:rPr lang="ko-KR" altLang="en-US" dirty="0" err="1"/>
+              <a:t>스터디장이</a:t>
+            </a:r>
+            <a:r>
+              <a:rPr lang="ko-KR" altLang="en-US" dirty="0"/>
+              <a:t> 함께 고민해드리겠습니다</a:t>
+            </a:r>
+            <a:r>
+              <a:rPr lang="en-US" altLang="ko-KR" dirty="0"/>
+              <a:t>. </a:t>
+            </a:r>
+          </a:p>
+        </p:txBody>
+      </p:sp>
+    </p:spTree>
+    <p:extLst>
+      <p:ext uri="{BB962C8B-B14F-4D97-AF65-F5344CB8AC3E}">
+        <p14:creationId xmlns:p14="http://schemas.microsoft.com/office/powerpoint/2010/main" val="3536484514"/>
+      </p:ext>
+    </p:extLst>
+  </p:cSld>
+  <p:clrMapOvr>
+    <a:masterClrMapping/>
+  </p:clrMapOvr>
+</p:sld>
+</file>
+
+<file path=ppt/slides/slide15.xml><?xml version="1.0" encoding="utf-8"?>
+<p:sld xmlns:a="http://schemas.openxmlformats.org/drawingml/2006/main" xmlns:r="http://schemas.openxmlformats.org/officeDocument/2006/relationships" xmlns:p="http://schemas.openxmlformats.org/presentationml/2006/main">
+  <p:cSld>
+    <p:spTree>
+      <p:nvGrpSpPr>
+        <p:cNvPr id="1" name=""/>
+        <p:cNvGrpSpPr/>
+        <p:nvPr/>
+      </p:nvGrpSpPr>
+      <p:grpSpPr>
+        <a:xfrm>
+          <a:off x="0" y="0"/>
+          <a:ext cx="0" cy="0"/>
+          <a:chOff x="0" y="0"/>
+          <a:chExt cx="0" cy="0"/>
+        </a:xfrm>
+      </p:grpSpPr>
+      <p:sp>
+        <p:nvSpPr>
+          <p:cNvPr id="2" name="제목 1">
+            <a:extLst>
+              <a:ext uri="{FF2B5EF4-FFF2-40B4-BE49-F238E27FC236}">
+                <a16:creationId xmlns:a16="http://schemas.microsoft.com/office/drawing/2014/main" id="{77D4B68F-965D-B14A-2B56-03AA13F1234F}"/>
+              </a:ext>
+            </a:extLst>
+          </p:cNvPr>
+          <p:cNvSpPr>
+            <a:spLocks noGrp="1"/>
+          </p:cNvSpPr>
+          <p:nvPr>
+            <p:ph type="title"/>
+          </p:nvPr>
+        </p:nvSpPr>
+        <p:spPr/>
+        <p:txBody>
+          <a:bodyPr/>
+          <a:lstStyle/>
+          <a:p>
+            <a:r>
+              <a:rPr lang="ko-KR" altLang="en-US" dirty="0"/>
+              <a:t>표준 입출력</a:t>
+            </a:r>
+          </a:p>
+        </p:txBody>
+      </p:sp>
+      <p:sp>
+        <p:nvSpPr>
+          <p:cNvPr id="3" name="내용 개체 틀 2">
+            <a:extLst>
+              <a:ext uri="{FF2B5EF4-FFF2-40B4-BE49-F238E27FC236}">
+                <a16:creationId xmlns:a16="http://schemas.microsoft.com/office/drawing/2014/main" id="{AF06F06A-9155-BD81-2C45-EAEB135D9B8B}"/>
+              </a:ext>
+            </a:extLst>
+          </p:cNvPr>
+          <p:cNvSpPr>
+            <a:spLocks noGrp="1"/>
+          </p:cNvSpPr>
+          <p:nvPr>
+            <p:ph idx="1"/>
+          </p:nvPr>
+        </p:nvSpPr>
+        <p:spPr/>
+        <p:txBody>
+          <a:bodyPr>
+            <a:normAutofit lnSpcReduction="10000"/>
+          </a:bodyPr>
+          <a:lstStyle/>
+          <a:p>
+            <a:r>
+              <a:rPr lang="en-US" altLang="ko-KR" dirty="0" err="1"/>
+              <a:t>scanf</a:t>
+            </a:r>
+            <a:r>
+              <a:rPr lang="en-US" altLang="ko-KR" dirty="0"/>
+              <a:t>(“%d”, &amp;a);    ~=     std:: </a:t>
+            </a:r>
+            <a:r>
+              <a:rPr lang="en-US" altLang="ko-KR" dirty="0" err="1"/>
+              <a:t>cin</a:t>
+            </a:r>
+            <a:r>
+              <a:rPr lang="en-US" altLang="ko-KR" dirty="0"/>
+              <a:t> &gt;&gt; a;</a:t>
+            </a:r>
+            <a:br>
+              <a:rPr lang="en-US" altLang="ko-KR" dirty="0"/>
+            </a:br>
+            <a:r>
+              <a:rPr lang="en-US" altLang="ko-KR" dirty="0" err="1"/>
+              <a:t>printf</a:t>
+            </a:r>
+            <a:r>
+              <a:rPr lang="en-US" altLang="ko-KR" dirty="0"/>
+              <a:t>(“%</a:t>
+            </a:r>
+            <a:r>
+              <a:rPr lang="en-US" altLang="ko-KR" dirty="0" err="1"/>
+              <a:t>d”,a</a:t>
+            </a:r>
+            <a:r>
+              <a:rPr lang="en-US" altLang="ko-KR"/>
+              <a:t>);          ~=     </a:t>
+            </a:r>
+            <a:r>
+              <a:rPr lang="en-US" altLang="ko-KR" dirty="0"/>
+              <a:t>std:: </a:t>
+            </a:r>
+            <a:r>
+              <a:rPr lang="en-US" altLang="ko-KR" dirty="0" err="1"/>
+              <a:t>cout</a:t>
+            </a:r>
+            <a:r>
+              <a:rPr lang="en-US" altLang="ko-KR" dirty="0"/>
+              <a:t> &lt;&lt; a;</a:t>
+            </a:r>
+            <a:br>
+              <a:rPr lang="en-US" altLang="ko-KR" dirty="0"/>
+            </a:br>
+            <a:endParaRPr lang="en-US" altLang="ko-KR" dirty="0"/>
+          </a:p>
+          <a:p>
+            <a:r>
+              <a:rPr lang="en-US" altLang="ko-KR" dirty="0"/>
+              <a:t>C</a:t>
+            </a:r>
+            <a:r>
+              <a:rPr lang="ko-KR" altLang="en-US" dirty="0"/>
+              <a:t>와 달리 자료형을 신경 쓸 필요가 없다</a:t>
+            </a:r>
+            <a:br>
+              <a:rPr lang="en-US" altLang="ko-KR" dirty="0"/>
+            </a:br>
+            <a:r>
+              <a:rPr lang="en-US" altLang="ko-KR" dirty="0"/>
+              <a:t>int a; string b; </a:t>
+            </a:r>
+            <a:r>
+              <a:rPr lang="ko-KR" altLang="en-US" dirty="0"/>
+              <a:t>를 입력 받고자 한다면</a:t>
+            </a:r>
+            <a:r>
+              <a:rPr lang="en-US" altLang="ko-KR" dirty="0"/>
+              <a:t>,</a:t>
+            </a:r>
+            <a:br>
+              <a:rPr lang="en-US" altLang="ko-KR" dirty="0"/>
+            </a:br>
+            <a:r>
+              <a:rPr lang="en-US" altLang="ko-KR" dirty="0" err="1"/>
+              <a:t>cin</a:t>
+            </a:r>
+            <a:r>
+              <a:rPr lang="en-US" altLang="ko-KR" dirty="0"/>
+              <a:t> &gt;&gt; a &gt;&gt; b;</a:t>
+            </a:r>
+          </a:p>
+          <a:p>
+            <a:pPr marL="0" indent="0">
+              <a:buNone/>
+            </a:pPr>
+            <a:endParaRPr lang="en-US" altLang="ko-KR" dirty="0"/>
+          </a:p>
+          <a:p>
+            <a:r>
+              <a:rPr lang="ko-KR" altLang="en-US" dirty="0"/>
+              <a:t>소수점 표현 </a:t>
+            </a:r>
+            <a:r>
+              <a:rPr lang="en-US" altLang="ko-KR" dirty="0"/>
+              <a:t>: </a:t>
+            </a:r>
+            <a:r>
+              <a:rPr lang="en-US" altLang="ko-KR" dirty="0" err="1"/>
+              <a:t>cout.precision</a:t>
+            </a:r>
+            <a:r>
+              <a:rPr lang="en-US" altLang="ko-KR" dirty="0"/>
+              <a:t>(3); </a:t>
+            </a:r>
+            <a:r>
+              <a:rPr lang="en-US" altLang="ko-KR" dirty="0" err="1"/>
+              <a:t>cout</a:t>
+            </a:r>
+            <a:r>
+              <a:rPr lang="en-US" altLang="ko-KR" dirty="0"/>
+              <a:t>&lt;&lt;fixed;</a:t>
+            </a:r>
+          </a:p>
+          <a:p>
+            <a:endParaRPr lang="en-US" altLang="ko-KR" dirty="0"/>
+          </a:p>
+          <a:p>
+            <a:r>
+              <a:rPr lang="en-US" altLang="ko-KR" dirty="0">
+                <a:hlinkClick r:id="rId2"/>
+              </a:rPr>
+              <a:t>https://www.acmicpc.net/problem/1000</a:t>
+            </a:r>
+            <a:r>
+              <a:rPr lang="en-US" altLang="ko-KR" dirty="0"/>
+              <a:t> </a:t>
+            </a:r>
+            <a:endParaRPr lang="ko-KR" altLang="en-US" dirty="0"/>
+          </a:p>
+        </p:txBody>
+      </p:sp>
+    </p:spTree>
+    <p:extLst>
+      <p:ext uri="{BB962C8B-B14F-4D97-AF65-F5344CB8AC3E}">
+        <p14:creationId xmlns:p14="http://schemas.microsoft.com/office/powerpoint/2010/main" val="1035617662"/>
+      </p:ext>
+    </p:extLst>
+  </p:cSld>
+  <p:clrMapOvr>
+    <a:masterClrMapping/>
+  </p:clrMapOvr>
+</p:sld>
+</file>
+
 <file path=ppt/slides/slide2.xml><?xml version="1.0" encoding="utf-8"?>
 <p:sld xmlns:a="http://schemas.openxmlformats.org/drawingml/2006/main" xmlns:r="http://schemas.openxmlformats.org/officeDocument/2006/relationships" xmlns:p="http://schemas.openxmlformats.org/presentationml/2006/main">
   <p:cSld>
@@ -4478,7 +4750,7 @@
         </p:nvSpPr>
         <p:spPr>
           <a:xfrm>
-            <a:off x="152400" y="1539797"/>
+            <a:off x="174171" y="1844597"/>
             <a:ext cx="7016750" cy="4822903"/>
           </a:xfrm>
           <a:prstGeom prst="rect">
@@ -4514,6 +4786,9 @@
               <a:rPr lang="ko-KR" altLang="en-US" sz="3200" dirty="0"/>
               <a:t>최진우</a:t>
             </a:r>
+            <a:br>
+              <a:rPr lang="en-US" altLang="ko-KR" sz="3200" dirty="0"/>
+            </a:br>
             <a:endParaRPr lang="en-US" altLang="ko-KR" sz="3200" dirty="0"/>
           </a:p>
           <a:p>
@@ -4534,6 +4809,9 @@
               <a:rPr lang="ko-KR" altLang="en-US" sz="3200" dirty="0"/>
               <a:t>운영진</a:t>
             </a:r>
+            <a:br>
+              <a:rPr lang="en-US" altLang="ko-KR" sz="3200" dirty="0"/>
+            </a:br>
             <a:endParaRPr lang="en-US" altLang="ko-KR" sz="3200" dirty="0"/>
           </a:p>
           <a:p>
@@ -4553,22 +4831,6 @@
           </a:p>
           <a:p>
             <a:pPr algn="ctr"/>
-            <a:r>
-              <a:rPr lang="ko-KR" altLang="en-US" sz="3200" dirty="0"/>
-              <a:t>스케이트 보드</a:t>
-            </a:r>
-            <a:endParaRPr lang="en-US" altLang="ko-KR" sz="3200" dirty="0"/>
-          </a:p>
-          <a:p>
-            <a:pPr algn="ctr"/>
-            <a:endParaRPr lang="en-US" altLang="ko-KR" sz="3200" dirty="0"/>
-          </a:p>
-          <a:p>
-            <a:pPr algn="ctr"/>
-            <a:r>
-              <a:rPr lang="en-US" altLang="ko-KR" sz="3200" dirty="0" err="1"/>
-              <a:t>Beenzino</a:t>
-            </a:r>
             <a:endParaRPr lang="en-US" altLang="ko-KR" sz="3200" dirty="0"/>
           </a:p>
           <a:p>

--- a/1주차 OT/1주차 OT.pptx
+++ b/1주차 OT/1주차 OT.pptx
@@ -16,10 +16,11 @@
     <p:sldId id="264" r:id="rId10"/>
     <p:sldId id="265" r:id="rId11"/>
     <p:sldId id="266" r:id="rId12"/>
-    <p:sldId id="267" r:id="rId13"/>
-    <p:sldId id="270" r:id="rId14"/>
-    <p:sldId id="268" r:id="rId15"/>
-    <p:sldId id="271" r:id="rId16"/>
+    <p:sldId id="272" r:id="rId13"/>
+    <p:sldId id="267" r:id="rId14"/>
+    <p:sldId id="270" r:id="rId15"/>
+    <p:sldId id="268" r:id="rId16"/>
+    <p:sldId id="271" r:id="rId17"/>
   </p:sldIdLst>
   <p:sldSz cx="12192000" cy="6858000"/>
   <p:notesSz cx="6858000" cy="9144000"/>
@@ -273,7 +274,7 @@
           <a:p>
             <a:fld id="{2DE438A0-27B0-4A01-AA7E-A0C6CC1BEE86}" type="datetimeFigureOut">
               <a:rPr lang="ko-KR" altLang="en-US" smtClean="0"/>
-              <a:t>2023-11-02</a:t>
+              <a:t>2023-11-03</a:t>
             </a:fld>
             <a:endParaRPr lang="ko-KR" altLang="en-US"/>
           </a:p>
@@ -471,7 +472,7 @@
           <a:p>
             <a:fld id="{2DE438A0-27B0-4A01-AA7E-A0C6CC1BEE86}" type="datetimeFigureOut">
               <a:rPr lang="ko-KR" altLang="en-US" smtClean="0"/>
-              <a:t>2023-11-02</a:t>
+              <a:t>2023-11-03</a:t>
             </a:fld>
             <a:endParaRPr lang="ko-KR" altLang="en-US"/>
           </a:p>
@@ -679,7 +680,7 @@
           <a:p>
             <a:fld id="{2DE438A0-27B0-4A01-AA7E-A0C6CC1BEE86}" type="datetimeFigureOut">
               <a:rPr lang="ko-KR" altLang="en-US" smtClean="0"/>
-              <a:t>2023-11-02</a:t>
+              <a:t>2023-11-03</a:t>
             </a:fld>
             <a:endParaRPr lang="ko-KR" altLang="en-US"/>
           </a:p>
@@ -877,7 +878,7 @@
           <a:p>
             <a:fld id="{2DE438A0-27B0-4A01-AA7E-A0C6CC1BEE86}" type="datetimeFigureOut">
               <a:rPr lang="ko-KR" altLang="en-US" smtClean="0"/>
-              <a:t>2023-11-02</a:t>
+              <a:t>2023-11-03</a:t>
             </a:fld>
             <a:endParaRPr lang="ko-KR" altLang="en-US"/>
           </a:p>
@@ -1152,7 +1153,7 @@
           <a:p>
             <a:fld id="{2DE438A0-27B0-4A01-AA7E-A0C6CC1BEE86}" type="datetimeFigureOut">
               <a:rPr lang="ko-KR" altLang="en-US" smtClean="0"/>
-              <a:t>2023-11-02</a:t>
+              <a:t>2023-11-03</a:t>
             </a:fld>
             <a:endParaRPr lang="ko-KR" altLang="en-US"/>
           </a:p>
@@ -1417,7 +1418,7 @@
           <a:p>
             <a:fld id="{2DE438A0-27B0-4A01-AA7E-A0C6CC1BEE86}" type="datetimeFigureOut">
               <a:rPr lang="ko-KR" altLang="en-US" smtClean="0"/>
-              <a:t>2023-11-02</a:t>
+              <a:t>2023-11-03</a:t>
             </a:fld>
             <a:endParaRPr lang="ko-KR" altLang="en-US"/>
           </a:p>
@@ -1829,7 +1830,7 @@
           <a:p>
             <a:fld id="{2DE438A0-27B0-4A01-AA7E-A0C6CC1BEE86}" type="datetimeFigureOut">
               <a:rPr lang="ko-KR" altLang="en-US" smtClean="0"/>
-              <a:t>2023-11-02</a:t>
+              <a:t>2023-11-03</a:t>
             </a:fld>
             <a:endParaRPr lang="ko-KR" altLang="en-US"/>
           </a:p>
@@ -1970,7 +1971,7 @@
           <a:p>
             <a:fld id="{2DE438A0-27B0-4A01-AA7E-A0C6CC1BEE86}" type="datetimeFigureOut">
               <a:rPr lang="ko-KR" altLang="en-US" smtClean="0"/>
-              <a:t>2023-11-02</a:t>
+              <a:t>2023-11-03</a:t>
             </a:fld>
             <a:endParaRPr lang="ko-KR" altLang="en-US"/>
           </a:p>
@@ -2083,7 +2084,7 @@
           <a:p>
             <a:fld id="{2DE438A0-27B0-4A01-AA7E-A0C6CC1BEE86}" type="datetimeFigureOut">
               <a:rPr lang="ko-KR" altLang="en-US" smtClean="0"/>
-              <a:t>2023-11-02</a:t>
+              <a:t>2023-11-03</a:t>
             </a:fld>
             <a:endParaRPr lang="ko-KR" altLang="en-US"/>
           </a:p>
@@ -2394,7 +2395,7 @@
           <a:p>
             <a:fld id="{2DE438A0-27B0-4A01-AA7E-A0C6CC1BEE86}" type="datetimeFigureOut">
               <a:rPr lang="ko-KR" altLang="en-US" smtClean="0"/>
-              <a:t>2023-11-02</a:t>
+              <a:t>2023-11-03</a:t>
             </a:fld>
             <a:endParaRPr lang="ko-KR" altLang="en-US"/>
           </a:p>
@@ -2682,7 +2683,7 @@
           <a:p>
             <a:fld id="{2DE438A0-27B0-4A01-AA7E-A0C6CC1BEE86}" type="datetimeFigureOut">
               <a:rPr lang="ko-KR" altLang="en-US" smtClean="0"/>
-              <a:t>2023-11-02</a:t>
+              <a:t>2023-11-03</a:t>
             </a:fld>
             <a:endParaRPr lang="ko-KR" altLang="en-US"/>
           </a:p>
@@ -2923,7 +2924,7 @@
           <a:p>
             <a:fld id="{2DE438A0-27B0-4A01-AA7E-A0C6CC1BEE86}" type="datetimeFigureOut">
               <a:rPr lang="ko-KR" altLang="en-US" smtClean="0"/>
-              <a:t>2023-11-02</a:t>
+              <a:t>2023-11-03</a:t>
             </a:fld>
             <a:endParaRPr lang="ko-KR" altLang="en-US"/>
           </a:p>
@@ -3546,9 +3547,20 @@
             </a:r>
             <a:r>
               <a:rPr lang="ko-KR" altLang="en-US" dirty="0"/>
-              <a:t>알고리즘 이해만 되면 문제는 의외로 쉬움</a:t>
-            </a:r>
-            <a:endParaRPr lang="en-US" altLang="ko-KR" dirty="0"/>
+              <a:t>알고리즘 이해만 되면 문제는 의외로 쉬움 </a:t>
+            </a:r>
+            <a:r>
+              <a:rPr lang="en-US" altLang="ko-KR" dirty="0"/>
+              <a:t>(</a:t>
+            </a:r>
+            <a:r>
+              <a:rPr lang="ko-KR" altLang="en-US" dirty="0"/>
+              <a:t>세그먼트 트리</a:t>
+            </a:r>
+            <a:r>
+              <a:rPr lang="en-US" altLang="ko-KR" dirty="0"/>
+              <a:t>, FFT)</a:t>
+            </a:r>
           </a:p>
           <a:p>
             <a:endParaRPr lang="en-US" altLang="ko-KR" dirty="0"/>
@@ -3912,6 +3924,378 @@
           <p:cNvPr id="2" name="제목 1">
             <a:extLst>
               <a:ext uri="{FF2B5EF4-FFF2-40B4-BE49-F238E27FC236}">
+                <a16:creationId xmlns:a16="http://schemas.microsoft.com/office/drawing/2014/main" id="{5F1EA1F1-E0E2-4CD1-FC61-90AAEE82FCC8}"/>
+              </a:ext>
+            </a:extLst>
+          </p:cNvPr>
+          <p:cNvSpPr>
+            <a:spLocks noGrp="1"/>
+          </p:cNvSpPr>
+          <p:nvPr>
+            <p:ph type="title"/>
+          </p:nvPr>
+        </p:nvSpPr>
+        <p:spPr/>
+        <p:txBody>
+          <a:bodyPr>
+            <a:normAutofit/>
+          </a:bodyPr>
+          <a:lstStyle/>
+          <a:p>
+            <a:r>
+              <a:rPr lang="en-US" altLang="ko-KR" sz="4000" dirty="0"/>
+              <a:t>2023 </a:t>
+            </a:r>
+            <a:r>
+              <a:rPr lang="ko-KR" altLang="en-US" sz="4000" dirty="0"/>
+              <a:t>카카오 신입 공채 </a:t>
+            </a:r>
+            <a:r>
+              <a:rPr lang="en-US" altLang="ko-KR" sz="4000" dirty="0"/>
+              <a:t>1</a:t>
+            </a:r>
+            <a:r>
+              <a:rPr lang="ko-KR" altLang="en-US" sz="4000" dirty="0"/>
+              <a:t>차 코딩테스트 기출</a:t>
+            </a:r>
+          </a:p>
+        </p:txBody>
+      </p:sp>
+      <p:sp>
+        <p:nvSpPr>
+          <p:cNvPr id="3" name="내용 개체 틀 2">
+            <a:extLst>
+              <a:ext uri="{FF2B5EF4-FFF2-40B4-BE49-F238E27FC236}">
+                <a16:creationId xmlns:a16="http://schemas.microsoft.com/office/drawing/2014/main" id="{D442BB1A-A0CD-D1A8-B53C-47B5C25A9BF9}"/>
+              </a:ext>
+            </a:extLst>
+          </p:cNvPr>
+          <p:cNvSpPr>
+            <a:spLocks noGrp="1"/>
+          </p:cNvSpPr>
+          <p:nvPr>
+            <p:ph idx="1"/>
+          </p:nvPr>
+        </p:nvSpPr>
+        <p:spPr>
+          <a:xfrm>
+            <a:off x="740228" y="1324882"/>
+            <a:ext cx="10515600" cy="4972504"/>
+          </a:xfrm>
+        </p:spPr>
+        <p:txBody>
+          <a:bodyPr>
+            <a:normAutofit fontScale="92500" lnSpcReduction="10000"/>
+          </a:bodyPr>
+          <a:lstStyle/>
+          <a:p>
+            <a:r>
+              <a:rPr lang="en-US" altLang="ko-KR" sz="2400" dirty="0"/>
+              <a:t>1</a:t>
+            </a:r>
+            <a:r>
+              <a:rPr lang="ko-KR" altLang="en-US" sz="2400" dirty="0"/>
+              <a:t>번 </a:t>
+            </a:r>
+            <a:r>
+              <a:rPr lang="en-US" altLang="ko-KR" sz="2400" dirty="0"/>
+              <a:t>:</a:t>
+            </a:r>
+            <a:r>
+              <a:rPr lang="ko-KR" altLang="en-US" sz="2400" dirty="0"/>
+              <a:t>쉬운 구현</a:t>
+            </a:r>
+            <a:br>
+              <a:rPr lang="en-US" altLang="ko-KR" sz="2400" dirty="0"/>
+            </a:br>
+            <a:r>
+              <a:rPr lang="en-US" altLang="ko-KR" sz="2400" dirty="0"/>
+              <a:t> </a:t>
+            </a:r>
+            <a:r>
+              <a:rPr lang="en-US" altLang="ko-KR" sz="2400" dirty="0">
+                <a:hlinkClick r:id="rId2"/>
+              </a:rPr>
+              <a:t>https://school.programmers.co.kr/learn/courses/30/lessons/150370</a:t>
+            </a:r>
+            <a:r>
+              <a:rPr lang="en-US" altLang="ko-KR" sz="2400" dirty="0"/>
+              <a:t> </a:t>
+            </a:r>
+          </a:p>
+          <a:p>
+            <a:r>
+              <a:rPr lang="en-US" altLang="ko-KR" sz="2400" dirty="0"/>
+              <a:t>2</a:t>
+            </a:r>
+            <a:r>
+              <a:rPr lang="ko-KR" altLang="en-US" sz="2400" dirty="0"/>
+              <a:t>번</a:t>
+            </a:r>
+            <a:r>
+              <a:rPr lang="en-US" altLang="ko-KR" sz="2400" dirty="0"/>
+              <a:t> : </a:t>
+            </a:r>
+            <a:r>
+              <a:rPr lang="ko-KR" altLang="en-US" sz="2400" dirty="0"/>
+              <a:t>스택 활용 </a:t>
+            </a:r>
+            <a:r>
+              <a:rPr lang="ko-KR" altLang="en-US" sz="2400" dirty="0" err="1"/>
+              <a:t>그리디</a:t>
+            </a:r>
+            <a:br>
+              <a:rPr lang="en-US" altLang="ko-KR" sz="2400" dirty="0"/>
+            </a:br>
+            <a:r>
+              <a:rPr lang="en-US" altLang="ko-KR" sz="2400" dirty="0">
+                <a:hlinkClick r:id="rId3"/>
+              </a:rPr>
+              <a:t>https://school.programmers.co.kr/learn/courses/30/lessons/150369</a:t>
+            </a:r>
+            <a:r>
+              <a:rPr lang="en-US" altLang="ko-KR" sz="2400" dirty="0"/>
+              <a:t> </a:t>
+            </a:r>
+          </a:p>
+          <a:p>
+            <a:r>
+              <a:rPr lang="en-US" altLang="ko-KR" sz="2400" dirty="0"/>
+              <a:t>3</a:t>
+            </a:r>
+            <a:r>
+              <a:rPr lang="ko-KR" altLang="en-US" sz="2400" dirty="0"/>
+              <a:t>번 </a:t>
+            </a:r>
+            <a:r>
+              <a:rPr lang="en-US" altLang="ko-KR" sz="2400" dirty="0"/>
+              <a:t>: </a:t>
+            </a:r>
+            <a:r>
+              <a:rPr lang="ko-KR" altLang="en-US" sz="2400" dirty="0"/>
+              <a:t>쉬운 </a:t>
+            </a:r>
+            <a:r>
+              <a:rPr lang="ko-KR" altLang="en-US" sz="2400" dirty="0" err="1"/>
+              <a:t>브루트</a:t>
+            </a:r>
+            <a:r>
+              <a:rPr lang="ko-KR" altLang="en-US" sz="2400" dirty="0"/>
+              <a:t> 포스</a:t>
+            </a:r>
+            <a:br>
+              <a:rPr lang="en-US" altLang="ko-KR" sz="2400" dirty="0"/>
+            </a:br>
+            <a:r>
+              <a:rPr lang="en-US" altLang="ko-KR" sz="2400" dirty="0"/>
+              <a:t> </a:t>
+            </a:r>
+            <a:r>
+              <a:rPr lang="en-US" altLang="ko-KR" sz="2400" dirty="0">
+                <a:hlinkClick r:id="rId4"/>
+              </a:rPr>
+              <a:t>https://school.programmers.co.kr/learn/courses/30/lessons/150368</a:t>
+            </a:r>
+            <a:endParaRPr lang="en-US" altLang="ko-KR" sz="2400" dirty="0"/>
+          </a:p>
+          <a:p>
+            <a:r>
+              <a:rPr lang="en-US" altLang="ko-KR" sz="2400" dirty="0"/>
+              <a:t>4</a:t>
+            </a:r>
+            <a:r>
+              <a:rPr lang="ko-KR" altLang="en-US" sz="2400" dirty="0"/>
+              <a:t>번 </a:t>
+            </a:r>
+            <a:r>
+              <a:rPr lang="en-US" altLang="ko-KR" sz="2400" dirty="0"/>
+              <a:t>: </a:t>
+            </a:r>
+            <a:r>
+              <a:rPr lang="ko-KR" altLang="en-US" sz="2400" dirty="0"/>
+              <a:t>이진 트리</a:t>
+            </a:r>
+            <a:r>
+              <a:rPr lang="en-US" altLang="ko-KR" sz="2400" dirty="0"/>
+              <a:t>, </a:t>
+            </a:r>
+            <a:r>
+              <a:rPr lang="ko-KR" altLang="en-US" sz="2400" dirty="0"/>
+              <a:t>재귀</a:t>
+            </a:r>
+            <a:br>
+              <a:rPr lang="en-US" altLang="ko-KR" sz="2400" dirty="0"/>
+            </a:br>
+            <a:r>
+              <a:rPr lang="en-US" altLang="ko-KR" sz="2400" dirty="0">
+                <a:hlinkClick r:id="rId5"/>
+              </a:rPr>
+              <a:t>https://school.programmers.co.kr/learn/courses/30/lessons/150367</a:t>
+            </a:r>
+            <a:r>
+              <a:rPr lang="en-US" altLang="ko-KR" sz="2400" dirty="0"/>
+              <a:t> </a:t>
+            </a:r>
+          </a:p>
+          <a:p>
+            <a:r>
+              <a:rPr lang="en-US" altLang="ko-KR" sz="2400" dirty="0"/>
+              <a:t>5</a:t>
+            </a:r>
+            <a:r>
+              <a:rPr lang="ko-KR" altLang="en-US" sz="2400" dirty="0"/>
+              <a:t>번 </a:t>
+            </a:r>
+            <a:r>
+              <a:rPr lang="en-US" altLang="ko-KR" sz="2400" dirty="0"/>
+              <a:t>: </a:t>
+            </a:r>
+            <a:r>
+              <a:rPr lang="ko-KR" altLang="en-US" sz="2400" dirty="0"/>
+              <a:t>유니온 </a:t>
+            </a:r>
+            <a:r>
+              <a:rPr lang="ko-KR" altLang="en-US" sz="2400" dirty="0" err="1"/>
+              <a:t>파인드</a:t>
+            </a:r>
+            <a:br>
+              <a:rPr lang="en-US" altLang="ko-KR" sz="2400" dirty="0"/>
+            </a:br>
+            <a:r>
+              <a:rPr lang="en-US" altLang="ko-KR" sz="2400" dirty="0">
+                <a:hlinkClick r:id="rId6"/>
+              </a:rPr>
+              <a:t>https://school.programmers.co.kr/learn/courses/30/lessons/150366</a:t>
+            </a:r>
+            <a:endParaRPr lang="en-US" altLang="ko-KR" sz="2400" dirty="0"/>
+          </a:p>
+          <a:p>
+            <a:r>
+              <a:rPr lang="en-US" altLang="ko-KR" sz="2400" dirty="0"/>
+              <a:t>6</a:t>
+            </a:r>
+            <a:r>
+              <a:rPr lang="ko-KR" altLang="en-US" sz="2400" dirty="0"/>
+              <a:t>번 </a:t>
+            </a:r>
+            <a:r>
+              <a:rPr lang="en-US" altLang="ko-KR" sz="2400" dirty="0"/>
+              <a:t>: BFS</a:t>
+            </a:r>
+            <a:r>
+              <a:rPr lang="ko-KR" altLang="en-US" sz="2400" dirty="0"/>
+              <a:t> </a:t>
+            </a:r>
+            <a:r>
+              <a:rPr lang="en-US" altLang="ko-KR" sz="2400" dirty="0"/>
+              <a:t>DFS</a:t>
+            </a:r>
+            <a:br>
+              <a:rPr lang="en-US" altLang="ko-KR" sz="2400" dirty="0"/>
+            </a:br>
+            <a:r>
+              <a:rPr lang="en-US" altLang="ko-KR" sz="2400" dirty="0">
+                <a:hlinkClick r:id="rId7"/>
+              </a:rPr>
+              <a:t>https://school.programmers.co.kr/learn/courses/30/lessons/150365</a:t>
+            </a:r>
+            <a:endParaRPr lang="en-US" altLang="ko-KR" sz="2400" dirty="0"/>
+          </a:p>
+          <a:p>
+            <a:r>
+              <a:rPr lang="en-US" altLang="ko-KR" sz="2400" dirty="0"/>
+              <a:t>7</a:t>
+            </a:r>
+            <a:r>
+              <a:rPr lang="ko-KR" altLang="en-US" sz="2400" dirty="0"/>
+              <a:t>번 </a:t>
+            </a:r>
+            <a:r>
+              <a:rPr lang="en-US" altLang="ko-KR" sz="2400" dirty="0"/>
+              <a:t>: </a:t>
+            </a:r>
+            <a:r>
+              <a:rPr lang="ko-KR" altLang="en-US" sz="2400" dirty="0"/>
+              <a:t>트리 </a:t>
+            </a:r>
+            <a:r>
+              <a:rPr lang="en-US" altLang="ko-KR" sz="2400" dirty="0"/>
+              <a:t>(</a:t>
+            </a:r>
+            <a:r>
+              <a:rPr lang="ko-KR" altLang="en-US" sz="2400" dirty="0" err="1"/>
+              <a:t>애드혹</a:t>
+            </a:r>
+            <a:r>
+              <a:rPr lang="en-US" altLang="ko-KR" sz="2400" dirty="0"/>
+              <a:t>..</a:t>
+            </a:r>
+            <a:r>
+              <a:rPr lang="ko-KR" altLang="en-US" sz="2400" dirty="0"/>
+              <a:t>느낌</a:t>
+            </a:r>
+            <a:r>
+              <a:rPr lang="en-US" altLang="ko-KR" sz="2400" dirty="0"/>
+              <a:t>)</a:t>
+            </a:r>
+            <a:br>
+              <a:rPr lang="en-US" altLang="ko-KR" sz="2400" dirty="0"/>
+            </a:br>
+            <a:r>
+              <a:rPr lang="en-US" altLang="ko-KR" sz="2400" dirty="0">
+                <a:hlinkClick r:id="rId8"/>
+              </a:rPr>
+              <a:t>https://school.programmers.co.kr/learn/courses/30/lessons/150364</a:t>
+            </a:r>
+            <a:r>
+              <a:rPr lang="en-US" altLang="ko-KR" sz="2400" dirty="0"/>
+              <a:t> </a:t>
+            </a:r>
+            <a:br>
+              <a:rPr lang="en-US" altLang="ko-KR" sz="2400" dirty="0"/>
+            </a:br>
+            <a:endParaRPr lang="en-US" altLang="ko-KR" sz="2400" dirty="0"/>
+          </a:p>
+          <a:p>
+            <a:endParaRPr lang="ko-KR" altLang="en-US" sz="2400" dirty="0"/>
+          </a:p>
+        </p:txBody>
+      </p:sp>
+    </p:spTree>
+    <p:extLst>
+      <p:ext uri="{BB962C8B-B14F-4D97-AF65-F5344CB8AC3E}">
+        <p14:creationId xmlns:p14="http://schemas.microsoft.com/office/powerpoint/2010/main" val="2497257844"/>
+      </p:ext>
+    </p:extLst>
+  </p:cSld>
+  <p:clrMapOvr>
+    <a:masterClrMapping/>
+  </p:clrMapOvr>
+</p:sld>
+</file>
+
+<file path=ppt/slides/slide13.xml><?xml version="1.0" encoding="utf-8"?>
+<p:sld xmlns:a="http://schemas.openxmlformats.org/drawingml/2006/main" xmlns:r="http://schemas.openxmlformats.org/officeDocument/2006/relationships" xmlns:p="http://schemas.openxmlformats.org/presentationml/2006/main">
+  <p:cSld>
+    <p:spTree>
+      <p:nvGrpSpPr>
+        <p:cNvPr id="1" name=""/>
+        <p:cNvGrpSpPr/>
+        <p:nvPr/>
+      </p:nvGrpSpPr>
+      <p:grpSpPr>
+        <a:xfrm>
+          <a:off x="0" y="0"/>
+          <a:ext cx="0" cy="0"/>
+          <a:chOff x="0" y="0"/>
+          <a:chExt cx="0" cy="0"/>
+        </a:xfrm>
+      </p:grpSpPr>
+      <p:sp>
+        <p:nvSpPr>
+          <p:cNvPr id="2" name="제목 1">
+            <a:extLst>
+              <a:ext uri="{FF2B5EF4-FFF2-40B4-BE49-F238E27FC236}">
                 <a16:creationId xmlns:a16="http://schemas.microsoft.com/office/drawing/2014/main" id="{3C44D8A7-4C66-3DCA-CAD1-012F6C5AFA79}"/>
               </a:ext>
             </a:extLst>
@@ -4088,7 +4472,7 @@
 </p:sld>
 </file>
 
-<file path=ppt/slides/slide13.xml><?xml version="1.0" encoding="utf-8"?>
+<file path=ppt/slides/slide14.xml><?xml version="1.0" encoding="utf-8"?>
 <p:sld xmlns:a="http://schemas.openxmlformats.org/drawingml/2006/main" xmlns:r="http://schemas.openxmlformats.org/officeDocument/2006/relationships" xmlns:p="http://schemas.openxmlformats.org/presentationml/2006/main">
   <p:cSld>
     <p:bg>
@@ -4158,7 +4542,7 @@
 </p:sld>
 </file>
 
-<file path=ppt/slides/slide14.xml><?xml version="1.0" encoding="utf-8"?>
+<file path=ppt/slides/slide15.xml><?xml version="1.0" encoding="utf-8"?>
 <p:sld xmlns:a="http://schemas.openxmlformats.org/drawingml/2006/main" xmlns:r="http://schemas.openxmlformats.org/officeDocument/2006/relationships" xmlns:p="http://schemas.openxmlformats.org/presentationml/2006/main">
   <p:cSld>
     <p:spTree>
@@ -4427,7 +4811,7 @@
 </p:sld>
 </file>
 
-<file path=ppt/slides/slide15.xml><?xml version="1.0" encoding="utf-8"?>
+<file path=ppt/slides/slide16.xml><?xml version="1.0" encoding="utf-8"?>
 <p:sld xmlns:a="http://schemas.openxmlformats.org/drawingml/2006/main" xmlns:r="http://schemas.openxmlformats.org/officeDocument/2006/relationships" xmlns:p="http://schemas.openxmlformats.org/presentationml/2006/main">
   <p:cSld>
     <p:spTree>
@@ -4891,7 +5275,7 @@
           <a:p>
             <a:r>
               <a:rPr lang="ko-KR" altLang="en-US" dirty="0"/>
-              <a:t>스터디의 목적</a:t>
+              <a:t>스터디 목표</a:t>
             </a:r>
           </a:p>
         </p:txBody>
@@ -4988,6 +5372,26 @@
           <a:p>
             <a:r>
               <a:rPr lang="ko-KR" altLang="en-US" dirty="0"/>
+              <a:t>백준</a:t>
+            </a:r>
+            <a:r>
+              <a:rPr lang="en-US" altLang="ko-KR" dirty="0"/>
+              <a:t>/</a:t>
+            </a:r>
+            <a:r>
+              <a:rPr lang="ko-KR" altLang="en-US" dirty="0" err="1"/>
+              <a:t>솔브닥</a:t>
+            </a:r>
+            <a:r>
+              <a:rPr lang="ko-KR" altLang="en-US" dirty="0"/>
+              <a:t> 활용 </a:t>
+            </a:r>
+            <a:r>
+              <a:rPr lang="en-US" altLang="ko-KR" dirty="0"/>
+              <a:t>: </a:t>
+            </a:r>
+            <a:r>
+              <a:rPr lang="ko-KR" altLang="en-US" dirty="0"/>
               <a:t>백준 </a:t>
             </a:r>
             <a:r>
@@ -4996,22 +5400,6 @@
             </a:r>
             <a:r>
               <a:rPr lang="ko-KR" altLang="en-US" dirty="0"/>
-              <a:t> 상승 </a:t>
-            </a:r>
-            <a:r>
-              <a:rPr lang="en-US" altLang="ko-KR" dirty="0"/>
-              <a:t>: </a:t>
-            </a:r>
-            <a:r>
-              <a:rPr lang="ko-KR" altLang="en-US" dirty="0"/>
-              <a:t>백준 </a:t>
-            </a:r>
-            <a:r>
-              <a:rPr lang="ko-KR" altLang="en-US" dirty="0" err="1"/>
-              <a:t>티어</a:t>
-            </a:r>
-            <a:r>
-              <a:rPr lang="ko-KR" altLang="en-US" dirty="0"/>
               <a:t> </a:t>
             </a:r>
             <a:r>
@@ -5024,11 +5412,11 @@
             </a:r>
             <a:r>
               <a:rPr lang="en-US" altLang="ko-KR" dirty="0"/>
-              <a:t>. </a:t>
-            </a:r>
-            <a:r>
-              <a:rPr lang="ko-KR" altLang="en-US" dirty="0"/>
-              <a:t>그러나 학습동기 부여</a:t>
+              <a:t>.</a:t>
+            </a:r>
+            <a:r>
+              <a:rPr lang="ko-KR" altLang="en-US" dirty="0"/>
+              <a:t> 학습동기 부여</a:t>
             </a:r>
             <a:endParaRPr lang="en-US" altLang="ko-KR" dirty="0"/>
           </a:p>
@@ -6237,15 +6625,7 @@
             </a:r>
             <a:r>
               <a:rPr lang="ko-KR" altLang="en-US" dirty="0"/>
-              <a:t>이 익숙하지 않다면 </a:t>
-            </a:r>
-            <a:r>
-              <a:rPr lang="ko-KR" altLang="en-US" dirty="0" err="1"/>
-              <a:t>날잡고</a:t>
-            </a:r>
-            <a:r>
-              <a:rPr lang="ko-KR" altLang="en-US" dirty="0"/>
-              <a:t> 풀어보기</a:t>
+              <a:t>이 익숙하지 않다면 날 잡고 풀어보기</a:t>
             </a:r>
             <a:endParaRPr lang="en-US" altLang="ko-KR" dirty="0"/>
           </a:p>
